--- a/07_DataType.pptx
+++ b/07_DataType.pptx
@@ -3987,7 +3987,7 @@
                   <a:srgbClr val="FFFF00"/>
                 </a:solidFill>
               </a:rPr>
-              <a:t>3.1 Code</a:t>
+              <a:t>7.1 Code</a:t>
             </a:r>
             <a:endParaRPr lang="zh-TW" altLang="en-US" sz="4800" b="1" dirty="0">
               <a:solidFill>
@@ -4177,7 +4177,7 @@
                   <a:srgbClr val="FFFF00"/>
                 </a:solidFill>
               </a:rPr>
-              <a:t>2.1 Code</a:t>
+              <a:t>7.1 Code</a:t>
             </a:r>
             <a:endParaRPr lang="zh-TW" altLang="en-US" b="1" dirty="0">
               <a:solidFill>
@@ -4440,7 +4440,7 @@
                   <a:srgbClr val="FFFF00"/>
                 </a:solidFill>
               </a:rPr>
-              <a:t>3.2 Verify</a:t>
+              <a:t>7.2 Verify</a:t>
             </a:r>
             <a:endParaRPr lang="zh-TW" altLang="en-US" sz="4800" b="1" dirty="0">
               <a:solidFill>
@@ -4630,7 +4630,7 @@
                   <a:srgbClr val="FFFF00"/>
                 </a:solidFill>
               </a:rPr>
-              <a:t>3.2 Verify</a:t>
+              <a:t>7.2 Verify</a:t>
             </a:r>
             <a:endParaRPr lang="zh-TW" altLang="en-US" b="1" dirty="0">
               <a:solidFill>
